--- a/Figures/Fig1.pptx
+++ b/Figures/Fig1.pptx
@@ -197,7 +197,7 @@
           <a:p>
             <a:fld id="{0F214B57-4E85-794F-84C0-C6AD3A83FA9F}" type="datetimeFigureOut">
               <a:rPr lang="da-DK" smtClean="0"/>
-              <a:t>23.10.2023</a:t>
+              <a:t>01.11.2023</a:t>
             </a:fld>
             <a:endParaRPr lang="da-DK"/>
           </a:p>
@@ -698,7 +698,7 @@
           <a:p>
             <a:fld id="{8A52B462-2B46-BF42-818F-B21EB5F2CF72}" type="datetimeFigureOut">
               <a:rPr lang="da-DK" smtClean="0"/>
-              <a:t>23.10.2023</a:t>
+              <a:t>01.11.2023</a:t>
             </a:fld>
             <a:endParaRPr lang="da-DK"/>
           </a:p>
@@ -898,7 +898,7 @@
           <a:p>
             <a:fld id="{8A52B462-2B46-BF42-818F-B21EB5F2CF72}" type="datetimeFigureOut">
               <a:rPr lang="da-DK" smtClean="0"/>
-              <a:t>23.10.2023</a:t>
+              <a:t>01.11.2023</a:t>
             </a:fld>
             <a:endParaRPr lang="da-DK"/>
           </a:p>
@@ -1108,7 +1108,7 @@
           <a:p>
             <a:fld id="{8A52B462-2B46-BF42-818F-B21EB5F2CF72}" type="datetimeFigureOut">
               <a:rPr lang="da-DK" smtClean="0"/>
-              <a:t>23.10.2023</a:t>
+              <a:t>01.11.2023</a:t>
             </a:fld>
             <a:endParaRPr lang="da-DK"/>
           </a:p>
@@ -1308,7 +1308,7 @@
           <a:p>
             <a:fld id="{8A52B462-2B46-BF42-818F-B21EB5F2CF72}" type="datetimeFigureOut">
               <a:rPr lang="da-DK" smtClean="0"/>
-              <a:t>23.10.2023</a:t>
+              <a:t>01.11.2023</a:t>
             </a:fld>
             <a:endParaRPr lang="da-DK"/>
           </a:p>
@@ -1584,7 +1584,7 @@
           <a:p>
             <a:fld id="{8A52B462-2B46-BF42-818F-B21EB5F2CF72}" type="datetimeFigureOut">
               <a:rPr lang="da-DK" smtClean="0"/>
-              <a:t>23.10.2023</a:t>
+              <a:t>01.11.2023</a:t>
             </a:fld>
             <a:endParaRPr lang="da-DK"/>
           </a:p>
@@ -1852,7 +1852,7 @@
           <a:p>
             <a:fld id="{8A52B462-2B46-BF42-818F-B21EB5F2CF72}" type="datetimeFigureOut">
               <a:rPr lang="da-DK" smtClean="0"/>
-              <a:t>23.10.2023</a:t>
+              <a:t>01.11.2023</a:t>
             </a:fld>
             <a:endParaRPr lang="da-DK"/>
           </a:p>
@@ -2267,7 +2267,7 @@
           <a:p>
             <a:fld id="{8A52B462-2B46-BF42-818F-B21EB5F2CF72}" type="datetimeFigureOut">
               <a:rPr lang="da-DK" smtClean="0"/>
-              <a:t>23.10.2023</a:t>
+              <a:t>01.11.2023</a:t>
             </a:fld>
             <a:endParaRPr lang="da-DK"/>
           </a:p>
@@ -2409,7 +2409,7 @@
           <a:p>
             <a:fld id="{8A52B462-2B46-BF42-818F-B21EB5F2CF72}" type="datetimeFigureOut">
               <a:rPr lang="da-DK" smtClean="0"/>
-              <a:t>23.10.2023</a:t>
+              <a:t>01.11.2023</a:t>
             </a:fld>
             <a:endParaRPr lang="da-DK"/>
           </a:p>
@@ -2522,7 +2522,7 @@
           <a:p>
             <a:fld id="{8A52B462-2B46-BF42-818F-B21EB5F2CF72}" type="datetimeFigureOut">
               <a:rPr lang="da-DK" smtClean="0"/>
-              <a:t>23.10.2023</a:t>
+              <a:t>01.11.2023</a:t>
             </a:fld>
             <a:endParaRPr lang="da-DK"/>
           </a:p>
@@ -2835,7 +2835,7 @@
           <a:p>
             <a:fld id="{8A52B462-2B46-BF42-818F-B21EB5F2CF72}" type="datetimeFigureOut">
               <a:rPr lang="da-DK" smtClean="0"/>
-              <a:t>23.10.2023</a:t>
+              <a:t>01.11.2023</a:t>
             </a:fld>
             <a:endParaRPr lang="da-DK"/>
           </a:p>
@@ -3124,7 +3124,7 @@
           <a:p>
             <a:fld id="{8A52B462-2B46-BF42-818F-B21EB5F2CF72}" type="datetimeFigureOut">
               <a:rPr lang="da-DK" smtClean="0"/>
-              <a:t>23.10.2023</a:t>
+              <a:t>01.11.2023</a:t>
             </a:fld>
             <a:endParaRPr lang="da-DK"/>
           </a:p>
@@ -3367,7 +3367,7 @@
           <a:p>
             <a:fld id="{8A52B462-2B46-BF42-818F-B21EB5F2CF72}" type="datetimeFigureOut">
               <a:rPr lang="da-DK" smtClean="0"/>
-              <a:t>23.10.2023</a:t>
+              <a:t>01.11.2023</a:t>
             </a:fld>
             <a:endParaRPr lang="da-DK"/>
           </a:p>
@@ -4827,28 +4827,12 @@
               <a:t> </a:t>
             </a:r>
             <a:r>
-              <a:rPr kumimoji="1" lang="en-US" altLang="ja-JP" sz="2400" dirty="0" err="1">
-                <a:latin typeface="Arial" panose="020B0604020202020204" pitchFamily="34" charset="0"/>
-                <a:ea typeface="Hiragino Kaku Gothic Pro W3" panose="020B0300000000000000" pitchFamily="34" charset="-128"/>
-                <a:cs typeface="Arial" panose="020B0604020202020204" pitchFamily="34" charset="0"/>
-              </a:rPr>
-              <a:t>Rb</a:t>
-            </a:r>
-            <a:r>
-              <a:rPr kumimoji="1" lang="en-US" altLang="ja-JP" sz="2400" baseline="30000" dirty="0">
-                <a:latin typeface="Arial" panose="020B0604020202020204" pitchFamily="34" charset="0"/>
-                <a:ea typeface="Hiragino Kaku Gothic Pro W3" panose="020B0300000000000000" pitchFamily="34" charset="-128"/>
-                <a:cs typeface="Arial" panose="020B0604020202020204" pitchFamily="34" charset="0"/>
-              </a:rPr>
-              <a:t>+</a:t>
-            </a:r>
-            <a:r>
               <a:rPr kumimoji="1" lang="en-US" altLang="ja-JP" sz="2400" dirty="0">
                 <a:latin typeface="Arial" panose="020B0604020202020204" pitchFamily="34" charset="0"/>
                 <a:ea typeface="Hiragino Kaku Gothic Pro W3" panose="020B0300000000000000" pitchFamily="34" charset="-128"/>
                 <a:cs typeface="Arial" panose="020B0604020202020204" pitchFamily="34" charset="0"/>
               </a:rPr>
-              <a:t> Cs</a:t>
+              <a:t>Cs</a:t>
             </a:r>
             <a:r>
               <a:rPr kumimoji="1" lang="en-US" altLang="ja-JP" sz="2400" baseline="30000" dirty="0">
